--- a/SocialNet Logo.pptx
+++ b/SocialNet Logo.pptx
@@ -289,7 +289,7 @@
           <a:p>
             <a:fld id="{C9A6A7D8-685D-E843-B243-D5440047202A}" type="datetimeFigureOut">
               <a:rPr lang="en-US" smtClean="0"/>
-              <a:t>5/15/16</a:t>
+              <a:t>5/18/16</a:t>
             </a:fld>
             <a:endParaRPr lang="en-US"/>
           </a:p>
@@ -459,7 +459,7 @@
           <a:p>
             <a:fld id="{C9A6A7D8-685D-E843-B243-D5440047202A}" type="datetimeFigureOut">
               <a:rPr lang="en-US" smtClean="0"/>
-              <a:t>5/15/16</a:t>
+              <a:t>5/18/16</a:t>
             </a:fld>
             <a:endParaRPr lang="en-US"/>
           </a:p>
@@ -639,7 +639,7 @@
           <a:p>
             <a:fld id="{C9A6A7D8-685D-E843-B243-D5440047202A}" type="datetimeFigureOut">
               <a:rPr lang="en-US" smtClean="0"/>
-              <a:t>5/15/16</a:t>
+              <a:t>5/18/16</a:t>
             </a:fld>
             <a:endParaRPr lang="en-US"/>
           </a:p>
@@ -809,7 +809,7 @@
           <a:p>
             <a:fld id="{C9A6A7D8-685D-E843-B243-D5440047202A}" type="datetimeFigureOut">
               <a:rPr lang="en-US" smtClean="0"/>
-              <a:t>5/15/16</a:t>
+              <a:t>5/18/16</a:t>
             </a:fld>
             <a:endParaRPr lang="en-US"/>
           </a:p>
@@ -1055,7 +1055,7 @@
           <a:p>
             <a:fld id="{C9A6A7D8-685D-E843-B243-D5440047202A}" type="datetimeFigureOut">
               <a:rPr lang="en-US" smtClean="0"/>
-              <a:t>5/15/16</a:t>
+              <a:t>5/18/16</a:t>
             </a:fld>
             <a:endParaRPr lang="en-US"/>
           </a:p>
@@ -1343,7 +1343,7 @@
           <a:p>
             <a:fld id="{C9A6A7D8-685D-E843-B243-D5440047202A}" type="datetimeFigureOut">
               <a:rPr lang="en-US" smtClean="0"/>
-              <a:t>5/15/16</a:t>
+              <a:t>5/18/16</a:t>
             </a:fld>
             <a:endParaRPr lang="en-US"/>
           </a:p>
@@ -1765,7 +1765,7 @@
           <a:p>
             <a:fld id="{C9A6A7D8-685D-E843-B243-D5440047202A}" type="datetimeFigureOut">
               <a:rPr lang="en-US" smtClean="0"/>
-              <a:t>5/15/16</a:t>
+              <a:t>5/18/16</a:t>
             </a:fld>
             <a:endParaRPr lang="en-US"/>
           </a:p>
@@ -1883,7 +1883,7 @@
           <a:p>
             <a:fld id="{C9A6A7D8-685D-E843-B243-D5440047202A}" type="datetimeFigureOut">
               <a:rPr lang="en-US" smtClean="0"/>
-              <a:t>5/15/16</a:t>
+              <a:t>5/18/16</a:t>
             </a:fld>
             <a:endParaRPr lang="en-US"/>
           </a:p>
@@ -1978,7 +1978,7 @@
           <a:p>
             <a:fld id="{C9A6A7D8-685D-E843-B243-D5440047202A}" type="datetimeFigureOut">
               <a:rPr lang="en-US" smtClean="0"/>
-              <a:t>5/15/16</a:t>
+              <a:t>5/18/16</a:t>
             </a:fld>
             <a:endParaRPr lang="en-US"/>
           </a:p>
@@ -2255,7 +2255,7 @@
           <a:p>
             <a:fld id="{C9A6A7D8-685D-E843-B243-D5440047202A}" type="datetimeFigureOut">
               <a:rPr lang="en-US" smtClean="0"/>
-              <a:t>5/15/16</a:t>
+              <a:t>5/18/16</a:t>
             </a:fld>
             <a:endParaRPr lang="en-US"/>
           </a:p>
@@ -2508,7 +2508,7 @@
           <a:p>
             <a:fld id="{C9A6A7D8-685D-E843-B243-D5440047202A}" type="datetimeFigureOut">
               <a:rPr lang="en-US" smtClean="0"/>
-              <a:t>5/15/16</a:t>
+              <a:t>5/18/16</a:t>
             </a:fld>
             <a:endParaRPr lang="en-US"/>
           </a:p>
@@ -2724,7 +2724,7 @@
           <a:p>
             <a:fld id="{C9A6A7D8-685D-E843-B243-D5440047202A}" type="datetimeFigureOut">
               <a:rPr lang="en-US" smtClean="0"/>
-              <a:t>5/15/16</a:t>
+              <a:t>5/18/16</a:t>
             </a:fld>
             <a:endParaRPr lang="en-US"/>
           </a:p>
@@ -3462,6 +3462,281 @@
           <a:chExt cx="0" cy="0"/>
         </a:xfrm>
       </p:grpSpPr>
+      <p:grpSp>
+        <p:nvGrpSpPr>
+          <p:cNvPr id="4" name="Group 3"/>
+          <p:cNvGrpSpPr/>
+          <p:nvPr/>
+        </p:nvGrpSpPr>
+        <p:grpSpPr>
+          <a:xfrm rot="2890993">
+            <a:off x="5364021" y="1153466"/>
+            <a:ext cx="7405463" cy="15927861"/>
+            <a:chOff x="1297104" y="4484940"/>
+            <a:chExt cx="7402986" cy="9392427"/>
+          </a:xfrm>
+        </p:grpSpPr>
+        <p:grpSp>
+          <p:nvGrpSpPr>
+            <p:cNvPr id="6" name="Group 5"/>
+            <p:cNvGrpSpPr/>
+            <p:nvPr/>
+          </p:nvGrpSpPr>
+          <p:grpSpPr>
+            <a:xfrm>
+              <a:off x="2021563" y="5746522"/>
+              <a:ext cx="5321421" cy="7161780"/>
+              <a:chOff x="2286534" y="1068650"/>
+              <a:chExt cx="7605805" cy="7161780"/>
+            </a:xfrm>
+          </p:grpSpPr>
+          <p:sp>
+            <p:nvSpPr>
+              <p:cNvPr id="9" name="Parallelogram 8"/>
+              <p:cNvSpPr/>
+              <p:nvPr/>
+            </p:nvSpPr>
+            <p:spPr>
+              <a:xfrm rot="861765" flipH="1">
+                <a:off x="2286534" y="1068650"/>
+                <a:ext cx="7432192" cy="7161780"/>
+              </a:xfrm>
+              <a:prstGeom prst="parallelogram">
+                <a:avLst/>
+              </a:prstGeom>
+              <a:solidFill>
+                <a:srgbClr val="0D47A1"/>
+              </a:solidFill>
+              <a:ln>
+                <a:noFill/>
+              </a:ln>
+              <a:effectLst/>
+            </p:spPr>
+            <p:style>
+              <a:lnRef idx="1">
+                <a:schemeClr val="accent1"/>
+              </a:lnRef>
+              <a:fillRef idx="3">
+                <a:schemeClr val="accent1"/>
+              </a:fillRef>
+              <a:effectRef idx="2">
+                <a:schemeClr val="accent1"/>
+              </a:effectRef>
+              <a:fontRef idx="minor">
+                <a:schemeClr val="lt1"/>
+              </a:fontRef>
+            </p:style>
+            <p:txBody>
+              <a:bodyPr rtlCol="0" anchor="ctr"/>
+              <a:lstStyle/>
+              <a:p>
+                <a:pPr algn="ctr"/>
+                <a:endParaRPr lang="en-US">
+                  <a:solidFill>
+                    <a:schemeClr val="bg1"/>
+                  </a:solidFill>
+                </a:endParaRPr>
+              </a:p>
+            </p:txBody>
+          </p:sp>
+          <p:sp>
+            <p:nvSpPr>
+              <p:cNvPr id="10" name="Parallelogram 9"/>
+              <p:cNvSpPr/>
+              <p:nvPr/>
+            </p:nvSpPr>
+            <p:spPr>
+              <a:xfrm rot="16200000" flipH="1">
+                <a:off x="3529921" y="3643096"/>
+                <a:ext cx="2711067" cy="5190069"/>
+              </a:xfrm>
+              <a:prstGeom prst="parallelogram">
+                <a:avLst/>
+              </a:prstGeom>
+              <a:solidFill>
+                <a:srgbClr val="E3F2FD"/>
+              </a:solidFill>
+              <a:ln>
+                <a:noFill/>
+              </a:ln>
+              <a:effectLst/>
+            </p:spPr>
+            <p:style>
+              <a:lnRef idx="1">
+                <a:schemeClr val="accent1"/>
+              </a:lnRef>
+              <a:fillRef idx="3">
+                <a:schemeClr val="accent1"/>
+              </a:fillRef>
+              <a:effectRef idx="2">
+                <a:schemeClr val="accent1"/>
+              </a:effectRef>
+              <a:fontRef idx="minor">
+                <a:schemeClr val="lt1"/>
+              </a:fontRef>
+            </p:style>
+            <p:txBody>
+              <a:bodyPr rtlCol="0" anchor="ctr"/>
+              <a:lstStyle/>
+              <a:p>
+                <a:pPr algn="ctr"/>
+                <a:endParaRPr lang="en-US">
+                  <a:solidFill>
+                    <a:schemeClr val="bg1"/>
+                  </a:solidFill>
+                </a:endParaRPr>
+              </a:p>
+            </p:txBody>
+          </p:sp>
+          <p:sp>
+            <p:nvSpPr>
+              <p:cNvPr id="11" name="Parallelogram 10"/>
+              <p:cNvSpPr/>
+              <p:nvPr/>
+            </p:nvSpPr>
+            <p:spPr>
+              <a:xfrm rot="16200000" flipH="1">
+                <a:off x="5850023" y="329946"/>
+                <a:ext cx="2711067" cy="5373564"/>
+              </a:xfrm>
+              <a:prstGeom prst="parallelogram">
+                <a:avLst/>
+              </a:prstGeom>
+              <a:solidFill>
+                <a:srgbClr val="E3F2FD"/>
+              </a:solidFill>
+              <a:ln>
+                <a:noFill/>
+              </a:ln>
+              <a:effectLst/>
+            </p:spPr>
+            <p:style>
+              <a:lnRef idx="1">
+                <a:schemeClr val="accent1"/>
+              </a:lnRef>
+              <a:fillRef idx="3">
+                <a:schemeClr val="accent1"/>
+              </a:fillRef>
+              <a:effectRef idx="2">
+                <a:schemeClr val="accent1"/>
+              </a:effectRef>
+              <a:fontRef idx="minor">
+                <a:schemeClr val="lt1"/>
+              </a:fontRef>
+            </p:style>
+            <p:txBody>
+              <a:bodyPr rtlCol="0" anchor="ctr"/>
+              <a:lstStyle/>
+              <a:p>
+                <a:pPr algn="ctr"/>
+                <a:endParaRPr lang="en-US">
+                  <a:solidFill>
+                    <a:schemeClr val="bg1"/>
+                  </a:solidFill>
+                </a:endParaRPr>
+              </a:p>
+            </p:txBody>
+          </p:sp>
+        </p:grpSp>
+        <p:sp>
+          <p:nvSpPr>
+            <p:cNvPr id="7" name="Parallelogram 6"/>
+            <p:cNvSpPr/>
+            <p:nvPr/>
+          </p:nvSpPr>
+          <p:spPr>
+            <a:xfrm rot="16200000" flipH="1">
+              <a:off x="1767733" y="10695671"/>
+              <a:ext cx="2711067" cy="3652325"/>
+            </a:xfrm>
+            <a:prstGeom prst="parallelogram">
+              <a:avLst/>
+            </a:prstGeom>
+            <a:solidFill>
+              <a:srgbClr val="E3F2FD"/>
+            </a:solidFill>
+            <a:ln>
+              <a:noFill/>
+            </a:ln>
+            <a:effectLst/>
+          </p:spPr>
+          <p:style>
+            <a:lnRef idx="1">
+              <a:schemeClr val="accent1"/>
+            </a:lnRef>
+            <a:fillRef idx="3">
+              <a:schemeClr val="accent1"/>
+            </a:fillRef>
+            <a:effectRef idx="2">
+              <a:schemeClr val="accent1"/>
+            </a:effectRef>
+            <a:fontRef idx="minor">
+              <a:schemeClr val="lt1"/>
+            </a:fontRef>
+          </p:style>
+          <p:txBody>
+            <a:bodyPr rtlCol="0" anchor="ctr"/>
+            <a:lstStyle/>
+            <a:p>
+              <a:pPr algn="ctr"/>
+              <a:endParaRPr lang="en-US">
+                <a:solidFill>
+                  <a:schemeClr val="bg1"/>
+                </a:solidFill>
+              </a:endParaRPr>
+            </a:p>
+          </p:txBody>
+        </p:sp>
+        <p:sp>
+          <p:nvSpPr>
+            <p:cNvPr id="8" name="Parallelogram 7"/>
+            <p:cNvSpPr/>
+            <p:nvPr/>
+          </p:nvSpPr>
+          <p:spPr>
+            <a:xfrm rot="16200000" flipH="1">
+              <a:off x="5211967" y="3707885"/>
+              <a:ext cx="2711067" cy="4265178"/>
+            </a:xfrm>
+            <a:prstGeom prst="parallelogram">
+              <a:avLst/>
+            </a:prstGeom>
+            <a:solidFill>
+              <a:srgbClr val="E3F2FD"/>
+            </a:solidFill>
+            <a:ln>
+              <a:noFill/>
+            </a:ln>
+            <a:effectLst/>
+          </p:spPr>
+          <p:style>
+            <a:lnRef idx="1">
+              <a:schemeClr val="accent1"/>
+            </a:lnRef>
+            <a:fillRef idx="3">
+              <a:schemeClr val="accent1"/>
+            </a:fillRef>
+            <a:effectRef idx="2">
+              <a:schemeClr val="accent1"/>
+            </a:effectRef>
+            <a:fontRef idx="minor">
+              <a:schemeClr val="lt1"/>
+            </a:fontRef>
+          </p:style>
+          <p:txBody>
+            <a:bodyPr rtlCol="0" anchor="ctr"/>
+            <a:lstStyle/>
+            <a:p>
+              <a:pPr algn="ctr"/>
+              <a:endParaRPr lang="en-US">
+                <a:solidFill>
+                  <a:schemeClr val="bg1"/>
+                </a:solidFill>
+              </a:endParaRPr>
+            </a:p>
+          </p:txBody>
+        </p:sp>
+      </p:grpSp>
     </p:spTree>
     <p:extLst>
       <p:ext uri="{BB962C8B-B14F-4D97-AF65-F5344CB8AC3E}">
